--- a/ppts/final/Object Detection 2.pptx
+++ b/ppts/final/Object Detection 2.pptx
@@ -256,7 +256,7 @@
           <a:p>
             <a:fld id="{990872B7-8B6F-415E-965C-212531031854}" type="datetimeFigureOut">
               <a:rPr lang="en-US" smtClean="0"/>
-              <a:t>11/10/22</a:t>
+              <a:t>12/21/2022</a:t>
             </a:fld>
             <a:endParaRPr lang="en-US"/>
           </a:p>
@@ -424,7 +424,7 @@
           <a:p>
             <a:fld id="{990872B7-8B6F-415E-965C-212531031854}" type="datetimeFigureOut">
               <a:rPr lang="en-US" smtClean="0"/>
-              <a:t>11/10/22</a:t>
+              <a:t>12/21/2022</a:t>
             </a:fld>
             <a:endParaRPr lang="en-US"/>
           </a:p>
@@ -602,7 +602,7 @@
           <a:p>
             <a:fld id="{990872B7-8B6F-415E-965C-212531031854}" type="datetimeFigureOut">
               <a:rPr lang="en-US" smtClean="0"/>
-              <a:t>11/10/22</a:t>
+              <a:t>12/21/2022</a:t>
             </a:fld>
             <a:endParaRPr lang="en-US"/>
           </a:p>
@@ -770,7 +770,7 @@
           <a:p>
             <a:fld id="{990872B7-8B6F-415E-965C-212531031854}" type="datetimeFigureOut">
               <a:rPr lang="en-US" smtClean="0"/>
-              <a:t>11/10/22</a:t>
+              <a:t>12/21/2022</a:t>
             </a:fld>
             <a:endParaRPr lang="en-US"/>
           </a:p>
@@ -1015,7 +1015,7 @@
           <a:p>
             <a:fld id="{990872B7-8B6F-415E-965C-212531031854}" type="datetimeFigureOut">
               <a:rPr lang="en-US" smtClean="0"/>
-              <a:t>11/10/22</a:t>
+              <a:t>12/21/2022</a:t>
             </a:fld>
             <a:endParaRPr lang="en-US"/>
           </a:p>
@@ -1244,7 +1244,7 @@
           <a:p>
             <a:fld id="{990872B7-8B6F-415E-965C-212531031854}" type="datetimeFigureOut">
               <a:rPr lang="en-US" smtClean="0"/>
-              <a:t>11/10/22</a:t>
+              <a:t>12/21/2022</a:t>
             </a:fld>
             <a:endParaRPr lang="en-US"/>
           </a:p>
@@ -1608,7 +1608,7 @@
           <a:p>
             <a:fld id="{990872B7-8B6F-415E-965C-212531031854}" type="datetimeFigureOut">
               <a:rPr lang="en-US" smtClean="0"/>
-              <a:t>11/10/22</a:t>
+              <a:t>12/21/2022</a:t>
             </a:fld>
             <a:endParaRPr lang="en-US"/>
           </a:p>
@@ -1725,7 +1725,7 @@
           <a:p>
             <a:fld id="{990872B7-8B6F-415E-965C-212531031854}" type="datetimeFigureOut">
               <a:rPr lang="en-US" smtClean="0"/>
-              <a:t>11/10/22</a:t>
+              <a:t>12/21/2022</a:t>
             </a:fld>
             <a:endParaRPr lang="en-US"/>
           </a:p>
@@ -1820,7 +1820,7 @@
           <a:p>
             <a:fld id="{990872B7-8B6F-415E-965C-212531031854}" type="datetimeFigureOut">
               <a:rPr lang="en-US" smtClean="0"/>
-              <a:t>11/10/22</a:t>
+              <a:t>12/21/2022</a:t>
             </a:fld>
             <a:endParaRPr lang="en-US"/>
           </a:p>
@@ -2095,7 +2095,7 @@
           <a:p>
             <a:fld id="{990872B7-8B6F-415E-965C-212531031854}" type="datetimeFigureOut">
               <a:rPr lang="en-US" smtClean="0"/>
-              <a:t>11/10/22</a:t>
+              <a:t>12/21/2022</a:t>
             </a:fld>
             <a:endParaRPr lang="en-US"/>
           </a:p>
@@ -2347,7 +2347,7 @@
           <a:p>
             <a:fld id="{990872B7-8B6F-415E-965C-212531031854}" type="datetimeFigureOut">
               <a:rPr lang="en-US" smtClean="0"/>
-              <a:t>11/10/22</a:t>
+              <a:t>12/21/2022</a:t>
             </a:fld>
             <a:endParaRPr lang="en-US"/>
           </a:p>
@@ -2558,7 +2558,7 @@
           <a:p>
             <a:fld id="{990872B7-8B6F-415E-965C-212531031854}" type="datetimeFigureOut">
               <a:rPr lang="en-US" smtClean="0"/>
-              <a:t>11/10/22</a:t>
+              <a:t>12/21/2022</a:t>
             </a:fld>
             <a:endParaRPr lang="en-US"/>
           </a:p>
@@ -4368,8 +4368,13 @@
           <a:p>
             <a:r>
               <a:rPr lang="en-US" dirty="0"/>
-              <a:t>Fast R-CNN - Disadvantages</a:t>
-            </a:r>
+              <a:t>Fast R-CNN </a:t>
+            </a:r>
+            <a:r>
+              <a:rPr lang="en-US"/>
+              <a:t>- Advantages</a:t>
+            </a:r>
+            <a:endParaRPr lang="en-US" dirty="0"/>
           </a:p>
         </p:txBody>
       </p:sp>
